--- a/HandsOn/Group04/Presentacion.pptx
+++ b/HandsOn/Group04/Presentacion.pptx
@@ -125,8 +125,7 @@
 <file path=ppt/revisionInfo.xml><?xml version="1.0" encoding="utf-8"?>
 <p1510:revInfo xmlns:a="http://schemas.openxmlformats.org/drawingml/2006/main" xmlns:r="http://schemas.openxmlformats.org/officeDocument/2006/relationships" xmlns:p1510="http://schemas.microsoft.com/office/powerpoint/2015/10/main">
   <p1510:revLst>
-    <p1510:client id="{E69FE96C-C532-4CBE-955A-4A078C9A5FEE}" v="674" dt="2018-12-01T19:52:42.791"/>
-    <p1510:client id="{D881F38C-4C65-4734-ACD8-A15C9EBB5111}" v="66" dt="2018-12-01T19:24:30.800"/>
+    <p1510:client id="{E69FE96C-C532-4CBE-955A-4A078C9A5FEE}" v="793" dt="2018-12-09T19:46:32.785"/>
   </p1510:revLst>
 </p1510:revInfo>
 </file>
@@ -135,8 +134,8 @@
 <pc:chgInfo xmlns:a="http://schemas.openxmlformats.org/drawingml/2006/main" xmlns:r="http://schemas.openxmlformats.org/officeDocument/2006/relationships" xmlns:ac="http://schemas.microsoft.com/office/drawing/2013/main/command" xmlns:pc="http://schemas.microsoft.com/office/powerpoint/2013/main/command">
   <pc:docChgLst>
     <pc:chgData name="Mario Luengo González" userId="8d50e8585d3f7066" providerId="LiveId" clId="{E69FE96C-C532-4CBE-955A-4A078C9A5FEE}"/>
-    <pc:docChg chg="undo custSel mod addSld delSld modSld">
-      <pc:chgData name="Mario Luengo González" userId="8d50e8585d3f7066" providerId="LiveId" clId="{E69FE96C-C532-4CBE-955A-4A078C9A5FEE}" dt="2018-12-01T19:52:57.734" v="1384" actId="20577"/>
+    <pc:docChg chg="undo custSel mod addSld delSld modSld sldOrd">
+      <pc:chgData name="Mario Luengo González" userId="8d50e8585d3f7066" providerId="LiveId" clId="{E69FE96C-C532-4CBE-955A-4A078C9A5FEE}" dt="2018-12-09T19:46:32.785" v="1503" actId="1076"/>
       <pc:docMkLst>
         <pc:docMk/>
       </pc:docMkLst>
@@ -211,452 +210,6 @@
           </ac:cxnSpMkLst>
         </pc:cxnChg>
       </pc:sldChg>
-      <pc:sldChg chg="addSp delSp modSp del mod setBg setClrOvrMap delDesignElem">
-        <pc:chgData name="Mario Luengo González" userId="8d50e8585d3f7066" providerId="LiveId" clId="{E69FE96C-C532-4CBE-955A-4A078C9A5FEE}" dt="2018-12-01T18:12:40.738" v="30" actId="2696"/>
-        <pc:sldMkLst>
-          <pc:docMk/>
-          <pc:sldMk cId="1986066145" sldId="256"/>
-        </pc:sldMkLst>
-        <pc:spChg chg="mod">
-          <ac:chgData name="Mario Luengo González" userId="8d50e8585d3f7066" providerId="LiveId" clId="{E69FE96C-C532-4CBE-955A-4A078C9A5FEE}" dt="2018-12-01T18:12:28.161" v="24" actId="26606"/>
-          <ac:spMkLst>
-            <pc:docMk/>
-            <pc:sldMk cId="1986066145" sldId="256"/>
-            <ac:spMk id="2" creationId="{072E9ACD-3AF3-42C0-BBF4-0124F3DF072E}"/>
-          </ac:spMkLst>
-        </pc:spChg>
-        <pc:spChg chg="mod">
-          <ac:chgData name="Mario Luengo González" userId="8d50e8585d3f7066" providerId="LiveId" clId="{E69FE96C-C532-4CBE-955A-4A078C9A5FEE}" dt="2018-12-01T18:12:28.161" v="24" actId="26606"/>
-          <ac:spMkLst>
-            <pc:docMk/>
-            <pc:sldMk cId="1986066145" sldId="256"/>
-            <ac:spMk id="3" creationId="{07CE8239-05BA-4D7C-9A0F-52E4E622923F}"/>
-          </ac:spMkLst>
-        </pc:spChg>
-        <pc:spChg chg="add del">
-          <ac:chgData name="Mario Luengo González" userId="8d50e8585d3f7066" providerId="LiveId" clId="{E69FE96C-C532-4CBE-955A-4A078C9A5FEE}" dt="2018-12-01T18:12:25.867" v="20" actId="26606"/>
-          <ac:spMkLst>
-            <pc:docMk/>
-            <pc:sldMk cId="1986066145" sldId="256"/>
-            <ac:spMk id="5" creationId="{2A8AA5BC-4F7A-4226-8F99-6D824B226A97}"/>
-          </ac:spMkLst>
-        </pc:spChg>
-        <pc:spChg chg="add del">
-          <ac:chgData name="Mario Luengo González" userId="8d50e8585d3f7066" providerId="LiveId" clId="{E69FE96C-C532-4CBE-955A-4A078C9A5FEE}" dt="2018-12-01T18:12:25.867" v="20" actId="26606"/>
-          <ac:spMkLst>
-            <pc:docMk/>
-            <pc:sldMk cId="1986066145" sldId="256"/>
-            <ac:spMk id="6" creationId="{3E5445C6-DD42-4979-86FF-03730E8C6DB0}"/>
-          </ac:spMkLst>
-        </pc:spChg>
-        <pc:spChg chg="add del">
-          <ac:chgData name="Mario Luengo González" userId="8d50e8585d3f7066" providerId="LiveId" clId="{E69FE96C-C532-4CBE-955A-4A078C9A5FEE}" dt="2018-12-01T18:10:17.796" v="1" actId="26606"/>
-          <ac:spMkLst>
-            <pc:docMk/>
-            <pc:sldMk cId="1986066145" sldId="256"/>
-            <ac:spMk id="8" creationId="{6DB7ADBC-26DA-450D-A8BF-E1ACCB46639C}"/>
-          </ac:spMkLst>
-        </pc:spChg>
-        <pc:spChg chg="add del">
-          <ac:chgData name="Mario Luengo González" userId="8d50e8585d3f7066" providerId="LiveId" clId="{E69FE96C-C532-4CBE-955A-4A078C9A5FEE}" dt="2018-12-01T18:12:27.442" v="22" actId="26606"/>
-          <ac:spMkLst>
-            <pc:docMk/>
-            <pc:sldMk cId="1986066145" sldId="256"/>
-            <ac:spMk id="9" creationId="{6BDBA639-2A71-4A60-A71A-FF1836F546CE}"/>
-          </ac:spMkLst>
-        </pc:spChg>
-        <pc:spChg chg="add del">
-          <ac:chgData name="Mario Luengo González" userId="8d50e8585d3f7066" providerId="LiveId" clId="{E69FE96C-C532-4CBE-955A-4A078C9A5FEE}" dt="2018-12-01T18:10:17.796" v="1" actId="26606"/>
-          <ac:spMkLst>
-            <pc:docMk/>
-            <pc:sldMk cId="1986066145" sldId="256"/>
-            <ac:spMk id="10" creationId="{5692FB99-428A-4151-9665-80E56EF03D76}"/>
-          </ac:spMkLst>
-        </pc:spChg>
-        <pc:spChg chg="add del">
-          <ac:chgData name="Mario Luengo González" userId="8d50e8585d3f7066" providerId="LiveId" clId="{E69FE96C-C532-4CBE-955A-4A078C9A5FEE}" dt="2018-12-01T18:10:17.796" v="1" actId="26606"/>
-          <ac:spMkLst>
-            <pc:docMk/>
-            <pc:sldMk cId="1986066145" sldId="256"/>
-            <ac:spMk id="12" creationId="{5E3C0EDB-60D3-4CEF-8B80-C6D01E08DEC2}"/>
-          </ac:spMkLst>
-        </pc:spChg>
-        <pc:spChg chg="add del">
-          <ac:chgData name="Mario Luengo González" userId="8d50e8585d3f7066" providerId="LiveId" clId="{E69FE96C-C532-4CBE-955A-4A078C9A5FEE}" dt="2018-12-01T18:10:17.796" v="1" actId="26606"/>
-          <ac:spMkLst>
-            <pc:docMk/>
-            <pc:sldMk cId="1986066145" sldId="256"/>
-            <ac:spMk id="14" creationId="{4B306978-A26E-4AC4-9EAA-BD29BD476A4F}"/>
-          </ac:spMkLst>
-        </pc:spChg>
-        <pc:spChg chg="add del">
-          <ac:chgData name="Mario Luengo González" userId="8d50e8585d3f7066" providerId="LiveId" clId="{E69FE96C-C532-4CBE-955A-4A078C9A5FEE}" dt="2018-12-01T18:10:17.796" v="1" actId="26606"/>
-          <ac:spMkLst>
-            <pc:docMk/>
-            <pc:sldMk cId="1986066145" sldId="256"/>
-            <ac:spMk id="16" creationId="{40C269CE-FB56-4D68-8CFB-1CFD5F350518}"/>
-          </ac:spMkLst>
-        </pc:spChg>
-        <pc:spChg chg="add del">
-          <ac:chgData name="Mario Luengo González" userId="8d50e8585d3f7066" providerId="LiveId" clId="{E69FE96C-C532-4CBE-955A-4A078C9A5FEE}" dt="2018-12-01T18:10:17.796" v="1" actId="26606"/>
-          <ac:spMkLst>
-            <pc:docMk/>
-            <pc:sldMk cId="1986066145" sldId="256"/>
-            <ac:spMk id="18" creationId="{A6ED7E7F-75F7-4581-A930-C4DEBC2A8419}"/>
-          </ac:spMkLst>
-        </pc:spChg>
-        <pc:spChg chg="add del">
-          <ac:chgData name="Mario Luengo González" userId="8d50e8585d3f7066" providerId="LiveId" clId="{E69FE96C-C532-4CBE-955A-4A078C9A5FEE}" dt="2018-12-01T18:10:19.711" v="3" actId="26606"/>
-          <ac:spMkLst>
-            <pc:docMk/>
-            <pc:sldMk cId="1986066145" sldId="256"/>
-            <ac:spMk id="20" creationId="{559AE206-7EBA-4D33-8BC9-9D8158553F0E}"/>
-          </ac:spMkLst>
-        </pc:spChg>
-        <pc:spChg chg="add del">
-          <ac:chgData name="Mario Luengo González" userId="8d50e8585d3f7066" providerId="LiveId" clId="{E69FE96C-C532-4CBE-955A-4A078C9A5FEE}" dt="2018-12-01T18:10:19.711" v="3" actId="26606"/>
-          <ac:spMkLst>
-            <pc:docMk/>
-            <pc:sldMk cId="1986066145" sldId="256"/>
-            <ac:spMk id="21" creationId="{6437D937-A7F1-4011-92B4-328E5BE1B166}"/>
-          </ac:spMkLst>
-        </pc:spChg>
-        <pc:spChg chg="add del">
-          <ac:chgData name="Mario Luengo González" userId="8d50e8585d3f7066" providerId="LiveId" clId="{E69FE96C-C532-4CBE-955A-4A078C9A5FEE}" dt="2018-12-01T18:10:19.711" v="3" actId="26606"/>
-          <ac:spMkLst>
-            <pc:docMk/>
-            <pc:sldMk cId="1986066145" sldId="256"/>
-            <ac:spMk id="22" creationId="{B672F332-AF08-46C6-94F0-77684310D7B7}"/>
-          </ac:spMkLst>
-        </pc:spChg>
-        <pc:spChg chg="add del">
-          <ac:chgData name="Mario Luengo González" userId="8d50e8585d3f7066" providerId="LiveId" clId="{E69FE96C-C532-4CBE-955A-4A078C9A5FEE}" dt="2018-12-01T18:10:19.711" v="3" actId="26606"/>
-          <ac:spMkLst>
-            <pc:docMk/>
-            <pc:sldMk cId="1986066145" sldId="256"/>
-            <ac:spMk id="23" creationId="{34244EF8-D73A-40E1-BE73-D46E6B4B04ED}"/>
-          </ac:spMkLst>
-        </pc:spChg>
-        <pc:spChg chg="add del">
-          <ac:chgData name="Mario Luengo González" userId="8d50e8585d3f7066" providerId="LiveId" clId="{E69FE96C-C532-4CBE-955A-4A078C9A5FEE}" dt="2018-12-01T18:10:19.711" v="3" actId="26606"/>
-          <ac:spMkLst>
-            <pc:docMk/>
-            <pc:sldMk cId="1986066145" sldId="256"/>
-            <ac:spMk id="24" creationId="{AB84D7E8-4ECB-42D7-ADBF-01689B0F24AE}"/>
-          </ac:spMkLst>
-        </pc:spChg>
-        <pc:spChg chg="add del">
-          <ac:chgData name="Mario Luengo González" userId="8d50e8585d3f7066" providerId="LiveId" clId="{E69FE96C-C532-4CBE-955A-4A078C9A5FEE}" dt="2018-12-01T18:10:22.353" v="5" actId="26606"/>
-          <ac:spMkLst>
-            <pc:docMk/>
-            <pc:sldMk cId="1986066145" sldId="256"/>
-            <ac:spMk id="27" creationId="{23962611-DFD5-4092-AAFD-559E3DFCE2C9}"/>
-          </ac:spMkLst>
-        </pc:spChg>
-        <pc:spChg chg="add del">
-          <ac:chgData name="Mario Luengo González" userId="8d50e8585d3f7066" providerId="LiveId" clId="{E69FE96C-C532-4CBE-955A-4A078C9A5FEE}" dt="2018-12-01T18:10:26.134" v="7" actId="26606"/>
-          <ac:spMkLst>
-            <pc:docMk/>
-            <pc:sldMk cId="1986066145" sldId="256"/>
-            <ac:spMk id="30" creationId="{FEF4E260-B79D-41D8-90EB-C84807CD77EC}"/>
-          </ac:spMkLst>
-        </pc:spChg>
-        <pc:spChg chg="add del">
-          <ac:chgData name="Mario Luengo González" userId="8d50e8585d3f7066" providerId="LiveId" clId="{E69FE96C-C532-4CBE-955A-4A078C9A5FEE}" dt="2018-12-01T18:10:26.134" v="7" actId="26606"/>
-          <ac:spMkLst>
-            <pc:docMk/>
-            <pc:sldMk cId="1986066145" sldId="256"/>
-            <ac:spMk id="32" creationId="{241208F6-8B1C-4098-9388-150BC8E447B2}"/>
-          </ac:spMkLst>
-        </pc:spChg>
-        <pc:spChg chg="add del">
-          <ac:chgData name="Mario Luengo González" userId="8d50e8585d3f7066" providerId="LiveId" clId="{E69FE96C-C532-4CBE-955A-4A078C9A5FEE}" dt="2018-12-01T18:12:27.442" v="22" actId="26606"/>
-          <ac:spMkLst>
-            <pc:docMk/>
-            <pc:sldMk cId="1986066145" sldId="256"/>
-            <ac:spMk id="33" creationId="{7842FC68-61FD-4700-8A22-BB8B071884DB}"/>
-          </ac:spMkLst>
-        </pc:spChg>
-        <pc:spChg chg="add del">
-          <ac:chgData name="Mario Luengo González" userId="8d50e8585d3f7066" providerId="LiveId" clId="{E69FE96C-C532-4CBE-955A-4A078C9A5FEE}" dt="2018-12-01T18:12:10.549" v="18"/>
-          <ac:spMkLst>
-            <pc:docMk/>
-            <pc:sldMk cId="1986066145" sldId="256"/>
-            <ac:spMk id="34" creationId="{559AE206-7EBA-4D33-8BC9-9D8158553F0E}"/>
-          </ac:spMkLst>
-        </pc:spChg>
-        <pc:spChg chg="add del">
-          <ac:chgData name="Mario Luengo González" userId="8d50e8585d3f7066" providerId="LiveId" clId="{E69FE96C-C532-4CBE-955A-4A078C9A5FEE}" dt="2018-12-01T18:12:10.549" v="18"/>
-          <ac:spMkLst>
-            <pc:docMk/>
-            <pc:sldMk cId="1986066145" sldId="256"/>
-            <ac:spMk id="35" creationId="{6437D937-A7F1-4011-92B4-328E5BE1B166}"/>
-          </ac:spMkLst>
-        </pc:spChg>
-        <pc:spChg chg="add del">
-          <ac:chgData name="Mario Luengo González" userId="8d50e8585d3f7066" providerId="LiveId" clId="{E69FE96C-C532-4CBE-955A-4A078C9A5FEE}" dt="2018-12-01T18:12:10.549" v="18"/>
-          <ac:spMkLst>
-            <pc:docMk/>
-            <pc:sldMk cId="1986066145" sldId="256"/>
-            <ac:spMk id="36" creationId="{B672F332-AF08-46C6-94F0-77684310D7B7}"/>
-          </ac:spMkLst>
-        </pc:spChg>
-        <pc:spChg chg="add del">
-          <ac:chgData name="Mario Luengo González" userId="8d50e8585d3f7066" providerId="LiveId" clId="{E69FE96C-C532-4CBE-955A-4A078C9A5FEE}" dt="2018-12-01T18:12:10.549" v="18"/>
-          <ac:spMkLst>
-            <pc:docMk/>
-            <pc:sldMk cId="1986066145" sldId="256"/>
-            <ac:spMk id="37" creationId="{34244EF8-D73A-40E1-BE73-D46E6B4B04ED}"/>
-          </ac:spMkLst>
-        </pc:spChg>
-        <pc:spChg chg="add del">
-          <ac:chgData name="Mario Luengo González" userId="8d50e8585d3f7066" providerId="LiveId" clId="{E69FE96C-C532-4CBE-955A-4A078C9A5FEE}" dt="2018-12-01T18:12:10.549" v="18"/>
-          <ac:spMkLst>
-            <pc:docMk/>
-            <pc:sldMk cId="1986066145" sldId="256"/>
-            <ac:spMk id="38" creationId="{AB84D7E8-4ECB-42D7-ADBF-01689B0F24AE}"/>
-          </ac:spMkLst>
-        </pc:spChg>
-        <pc:spChg chg="add del">
-          <ac:chgData name="Mario Luengo González" userId="8d50e8585d3f7066" providerId="LiveId" clId="{E69FE96C-C532-4CBE-955A-4A078C9A5FEE}" dt="2018-12-01T18:12:27.442" v="22" actId="26606"/>
-          <ac:spMkLst>
-            <pc:docMk/>
-            <pc:sldMk cId="1986066145" sldId="256"/>
-            <ac:spMk id="53" creationId="{D9C506D7-84CB-4057-A44A-465313E78538}"/>
-          </ac:spMkLst>
-        </pc:spChg>
-        <pc:spChg chg="add del">
-          <ac:chgData name="Mario Luengo González" userId="8d50e8585d3f7066" providerId="LiveId" clId="{E69FE96C-C532-4CBE-955A-4A078C9A5FEE}" dt="2018-12-01T18:12:28.161" v="24" actId="26606"/>
-          <ac:spMkLst>
-            <pc:docMk/>
-            <pc:sldMk cId="1986066145" sldId="256"/>
-            <ac:spMk id="55" creationId="{23962611-DFD5-4092-AAFD-559E3DFCE2C9}"/>
-          </ac:spMkLst>
-        </pc:spChg>
-        <pc:spChg chg="add del">
-          <ac:chgData name="Mario Luengo González" userId="8d50e8585d3f7066" providerId="LiveId" clId="{E69FE96C-C532-4CBE-955A-4A078C9A5FEE}" dt="2018-12-01T18:12:29.596" v="27"/>
-          <ac:spMkLst>
-            <pc:docMk/>
-            <pc:sldMk cId="1986066145" sldId="256"/>
-            <ac:spMk id="58" creationId="{559AE206-7EBA-4D33-8BC9-9D8158553F0E}"/>
-          </ac:spMkLst>
-        </pc:spChg>
-        <pc:spChg chg="add del">
-          <ac:chgData name="Mario Luengo González" userId="8d50e8585d3f7066" providerId="LiveId" clId="{E69FE96C-C532-4CBE-955A-4A078C9A5FEE}" dt="2018-12-01T18:12:29.596" v="27"/>
-          <ac:spMkLst>
-            <pc:docMk/>
-            <pc:sldMk cId="1986066145" sldId="256"/>
-            <ac:spMk id="59" creationId="{6437D937-A7F1-4011-92B4-328E5BE1B166}"/>
-          </ac:spMkLst>
-        </pc:spChg>
-        <pc:spChg chg="add del">
-          <ac:chgData name="Mario Luengo González" userId="8d50e8585d3f7066" providerId="LiveId" clId="{E69FE96C-C532-4CBE-955A-4A078C9A5FEE}" dt="2018-12-01T18:12:29.596" v="27"/>
-          <ac:spMkLst>
-            <pc:docMk/>
-            <pc:sldMk cId="1986066145" sldId="256"/>
-            <ac:spMk id="60" creationId="{B672F332-AF08-46C6-94F0-77684310D7B7}"/>
-          </ac:spMkLst>
-        </pc:spChg>
-        <pc:spChg chg="add del">
-          <ac:chgData name="Mario Luengo González" userId="8d50e8585d3f7066" providerId="LiveId" clId="{E69FE96C-C532-4CBE-955A-4A078C9A5FEE}" dt="2018-12-01T18:12:29.596" v="27"/>
-          <ac:spMkLst>
-            <pc:docMk/>
-            <pc:sldMk cId="1986066145" sldId="256"/>
-            <ac:spMk id="61" creationId="{34244EF8-D73A-40E1-BE73-D46E6B4B04ED}"/>
-          </ac:spMkLst>
-        </pc:spChg>
-        <pc:spChg chg="add del">
-          <ac:chgData name="Mario Luengo González" userId="8d50e8585d3f7066" providerId="LiveId" clId="{E69FE96C-C532-4CBE-955A-4A078C9A5FEE}" dt="2018-12-01T18:12:29.596" v="27"/>
-          <ac:spMkLst>
-            <pc:docMk/>
-            <pc:sldMk cId="1986066145" sldId="256"/>
-            <ac:spMk id="62" creationId="{AB84D7E8-4ECB-42D7-ADBF-01689B0F24AE}"/>
-          </ac:spMkLst>
-        </pc:spChg>
-        <pc:grpChg chg="add del">
-          <ac:chgData name="Mario Luengo González" userId="8d50e8585d3f7066" providerId="LiveId" clId="{E69FE96C-C532-4CBE-955A-4A078C9A5FEE}" dt="2018-12-01T18:12:27.442" v="22" actId="26606"/>
-          <ac:grpSpMkLst>
-            <pc:docMk/>
-            <pc:sldMk cId="1986066145" sldId="256"/>
-            <ac:grpSpMk id="40" creationId="{5E208A8B-5EBD-4532-BE72-26414FA7CFF6}"/>
-          </ac:grpSpMkLst>
-        </pc:grpChg>
-        <pc:picChg chg="add del">
-          <ac:chgData name="Mario Luengo González" userId="8d50e8585d3f7066" providerId="LiveId" clId="{E69FE96C-C532-4CBE-955A-4A078C9A5FEE}" dt="2018-12-01T18:10:22.353" v="5" actId="26606"/>
-          <ac:picMkLst>
-            <pc:docMk/>
-            <pc:sldMk cId="1986066145" sldId="256"/>
-            <ac:picMk id="28" creationId="{2270F1FA-0425-408F-9861-80BF5AFB276D}"/>
-          </ac:picMkLst>
-        </pc:picChg>
-        <pc:picChg chg="add del">
-          <ac:chgData name="Mario Luengo González" userId="8d50e8585d3f7066" providerId="LiveId" clId="{E69FE96C-C532-4CBE-955A-4A078C9A5FEE}" dt="2018-12-01T18:12:28.161" v="24" actId="26606"/>
-          <ac:picMkLst>
-            <pc:docMk/>
-            <pc:sldMk cId="1986066145" sldId="256"/>
-            <ac:picMk id="56" creationId="{2270F1FA-0425-408F-9861-80BF5AFB276D}"/>
-          </ac:picMkLst>
-        </pc:picChg>
-        <pc:cxnChg chg="add del">
-          <ac:chgData name="Mario Luengo González" userId="8d50e8585d3f7066" providerId="LiveId" clId="{E69FE96C-C532-4CBE-955A-4A078C9A5FEE}" dt="2018-12-01T18:12:25.867" v="20" actId="26606"/>
-          <ac:cxnSpMkLst>
-            <pc:docMk/>
-            <pc:sldMk cId="1986066145" sldId="256"/>
-            <ac:cxnSpMk id="7" creationId="{45000665-DFC7-417E-8FD7-516A0F15C975}"/>
-          </ac:cxnSpMkLst>
-        </pc:cxnChg>
-        <pc:cxnChg chg="add del">
-          <ac:chgData name="Mario Luengo González" userId="8d50e8585d3f7066" providerId="LiveId" clId="{E69FE96C-C532-4CBE-955A-4A078C9A5FEE}" dt="2018-12-01T18:10:19.711" v="3" actId="26606"/>
-          <ac:cxnSpMkLst>
-            <pc:docMk/>
-            <pc:sldMk cId="1986066145" sldId="256"/>
-            <ac:cxnSpMk id="25" creationId="{9E8E38ED-369A-44C2-B635-0BED0E48A6E8}"/>
-          </ac:cxnSpMkLst>
-        </pc:cxnChg>
-        <pc:cxnChg chg="add del">
-          <ac:chgData name="Mario Luengo González" userId="8d50e8585d3f7066" providerId="LiveId" clId="{E69FE96C-C532-4CBE-955A-4A078C9A5FEE}" dt="2018-12-01T18:10:26.134" v="7" actId="26606"/>
-          <ac:cxnSpMkLst>
-            <pc:docMk/>
-            <pc:sldMk cId="1986066145" sldId="256"/>
-            <ac:cxnSpMk id="31" creationId="{0686AD50-C6DC-4D98-A467-9AC1F3C2D8D0}"/>
-          </ac:cxnSpMkLst>
-        </pc:cxnChg>
-        <pc:cxnChg chg="add del">
-          <ac:chgData name="Mario Luengo González" userId="8d50e8585d3f7066" providerId="LiveId" clId="{E69FE96C-C532-4CBE-955A-4A078C9A5FEE}" dt="2018-12-01T18:12:10.549" v="18"/>
-          <ac:cxnSpMkLst>
-            <pc:docMk/>
-            <pc:sldMk cId="1986066145" sldId="256"/>
-            <ac:cxnSpMk id="39" creationId="{9E8E38ED-369A-44C2-B635-0BED0E48A6E8}"/>
-          </ac:cxnSpMkLst>
-        </pc:cxnChg>
-        <pc:cxnChg chg="add del">
-          <ac:chgData name="Mario Luengo González" userId="8d50e8585d3f7066" providerId="LiveId" clId="{E69FE96C-C532-4CBE-955A-4A078C9A5FEE}" dt="2018-12-01T18:12:29.596" v="27"/>
-          <ac:cxnSpMkLst>
-            <pc:docMk/>
-            <pc:sldMk cId="1986066145" sldId="256"/>
-            <ac:cxnSpMk id="63" creationId="{9E8E38ED-369A-44C2-B635-0BED0E48A6E8}"/>
-          </ac:cxnSpMkLst>
-        </pc:cxnChg>
-      </pc:sldChg>
-      <pc:sldChg chg="addSp delSp modSp add del mod setBg delDesignElem">
-        <pc:chgData name="Mario Luengo González" userId="8d50e8585d3f7066" providerId="LiveId" clId="{E69FE96C-C532-4CBE-955A-4A078C9A5FEE}" dt="2018-12-01T18:12:40.439" v="29" actId="2696"/>
-        <pc:sldMkLst>
-          <pc:docMk/>
-          <pc:sldMk cId="1646171779" sldId="257"/>
-        </pc:sldMkLst>
-        <pc:spChg chg="mod">
-          <ac:chgData name="Mario Luengo González" userId="8d50e8585d3f7066" providerId="LiveId" clId="{E69FE96C-C532-4CBE-955A-4A078C9A5FEE}" dt="2018-12-01T18:11:31.996" v="13" actId="26606"/>
-          <ac:spMkLst>
-            <pc:docMk/>
-            <pc:sldMk cId="1646171779" sldId="257"/>
-            <ac:spMk id="2" creationId="{0D4F8C38-5A96-4FED-A718-997DC19CF4C9}"/>
-          </ac:spMkLst>
-        </pc:spChg>
-        <pc:spChg chg="add del">
-          <ac:chgData name="Mario Luengo González" userId="8d50e8585d3f7066" providerId="LiveId" clId="{E69FE96C-C532-4CBE-955A-4A078C9A5FEE}" dt="2018-12-01T18:11:31.996" v="13" actId="26606"/>
-          <ac:spMkLst>
-            <pc:docMk/>
-            <pc:sldMk cId="1646171779" sldId="257"/>
-            <ac:spMk id="3" creationId="{91C14B38-81B7-4573-A9FE-40F6C0E3E093}"/>
-          </ac:spMkLst>
-        </pc:spChg>
-        <pc:spChg chg="add del">
-          <ac:chgData name="Mario Luengo González" userId="8d50e8585d3f7066" providerId="LiveId" clId="{E69FE96C-C532-4CBE-955A-4A078C9A5FEE}" dt="2018-12-01T18:11:31.968" v="12" actId="26606"/>
-          <ac:spMkLst>
-            <pc:docMk/>
-            <pc:sldMk cId="1646171779" sldId="257"/>
-            <ac:spMk id="8" creationId="{559AE206-7EBA-4D33-8BC9-9D8158553F0E}"/>
-          </ac:spMkLst>
-        </pc:spChg>
-        <pc:spChg chg="add del">
-          <ac:chgData name="Mario Luengo González" userId="8d50e8585d3f7066" providerId="LiveId" clId="{E69FE96C-C532-4CBE-955A-4A078C9A5FEE}" dt="2018-12-01T18:11:31.968" v="12" actId="26606"/>
-          <ac:spMkLst>
-            <pc:docMk/>
-            <pc:sldMk cId="1646171779" sldId="257"/>
-            <ac:spMk id="10" creationId="{6437D937-A7F1-4011-92B4-328E5BE1B166}"/>
-          </ac:spMkLst>
-        </pc:spChg>
-        <pc:spChg chg="add del">
-          <ac:chgData name="Mario Luengo González" userId="8d50e8585d3f7066" providerId="LiveId" clId="{E69FE96C-C532-4CBE-955A-4A078C9A5FEE}" dt="2018-12-01T18:11:31.968" v="12" actId="26606"/>
-          <ac:spMkLst>
-            <pc:docMk/>
-            <pc:sldMk cId="1646171779" sldId="257"/>
-            <ac:spMk id="12" creationId="{B672F332-AF08-46C6-94F0-77684310D7B7}"/>
-          </ac:spMkLst>
-        </pc:spChg>
-        <pc:spChg chg="add del">
-          <ac:chgData name="Mario Luengo González" userId="8d50e8585d3f7066" providerId="LiveId" clId="{E69FE96C-C532-4CBE-955A-4A078C9A5FEE}" dt="2018-12-01T18:11:31.968" v="12" actId="26606"/>
-          <ac:spMkLst>
-            <pc:docMk/>
-            <pc:sldMk cId="1646171779" sldId="257"/>
-            <ac:spMk id="14" creationId="{34244EF8-D73A-40E1-BE73-D46E6B4B04ED}"/>
-          </ac:spMkLst>
-        </pc:spChg>
-        <pc:spChg chg="add del">
-          <ac:chgData name="Mario Luengo González" userId="8d50e8585d3f7066" providerId="LiveId" clId="{E69FE96C-C532-4CBE-955A-4A078C9A5FEE}" dt="2018-12-01T18:11:31.968" v="12" actId="26606"/>
-          <ac:spMkLst>
-            <pc:docMk/>
-            <pc:sldMk cId="1646171779" sldId="257"/>
-            <ac:spMk id="16" creationId="{AB84D7E8-4ECB-42D7-ADBF-01689B0F24AE}"/>
-          </ac:spMkLst>
-        </pc:spChg>
-        <pc:spChg chg="add del">
-          <ac:chgData name="Mario Luengo González" userId="8d50e8585d3f7066" providerId="LiveId" clId="{E69FE96C-C532-4CBE-955A-4A078C9A5FEE}" dt="2018-12-01T18:12:10.549" v="18"/>
-          <ac:spMkLst>
-            <pc:docMk/>
-            <pc:sldMk cId="1646171779" sldId="257"/>
-            <ac:spMk id="20" creationId="{E4F9F79B-A093-478E-96B5-EE02BC93A858}"/>
-          </ac:spMkLst>
-        </pc:spChg>
-        <pc:spChg chg="add">
-          <ac:chgData name="Mario Luengo González" userId="8d50e8585d3f7066" providerId="LiveId" clId="{E69FE96C-C532-4CBE-955A-4A078C9A5FEE}" dt="2018-12-01T18:11:31.996" v="13" actId="26606"/>
-          <ac:spMkLst>
-            <pc:docMk/>
-            <pc:sldMk cId="1646171779" sldId="257"/>
-            <ac:spMk id="21" creationId="{91C14B38-81B7-4573-A9FE-40F6C0E3E093}"/>
-          </ac:spMkLst>
-        </pc:spChg>
-        <pc:spChg chg="add del">
-          <ac:chgData name="Mario Luengo González" userId="8d50e8585d3f7066" providerId="LiveId" clId="{E69FE96C-C532-4CBE-955A-4A078C9A5FEE}" dt="2018-12-01T18:12:10.549" v="18"/>
-          <ac:spMkLst>
-            <pc:docMk/>
-            <pc:sldMk cId="1646171779" sldId="257"/>
-            <ac:spMk id="22" creationId="{11394CD8-BD30-4B74-86F4-51FDF3383419}"/>
-          </ac:spMkLst>
-        </pc:spChg>
-        <pc:spChg chg="add del">
-          <ac:chgData name="Mario Luengo González" userId="8d50e8585d3f7066" providerId="LiveId" clId="{E69FE96C-C532-4CBE-955A-4A078C9A5FEE}" dt="2018-12-01T18:12:10.549" v="18"/>
-          <ac:spMkLst>
-            <pc:docMk/>
-            <pc:sldMk cId="1646171779" sldId="257"/>
-            <ac:spMk id="24" creationId="{F7194F93-1F71-4A70-9DF1-28F183771111}"/>
-          </ac:spMkLst>
-        </pc:spChg>
-        <pc:spChg chg="add del">
-          <ac:chgData name="Mario Luengo González" userId="8d50e8585d3f7066" providerId="LiveId" clId="{E69FE96C-C532-4CBE-955A-4A078C9A5FEE}" dt="2018-12-01T18:12:10.549" v="18"/>
-          <ac:spMkLst>
-            <pc:docMk/>
-            <pc:sldMk cId="1646171779" sldId="257"/>
-            <ac:spMk id="25" creationId="{9BBC0C84-DC2A-43AE-9576-0A44295E8B9C}"/>
-          </ac:spMkLst>
-        </pc:spChg>
-        <pc:cxnChg chg="add del">
-          <ac:chgData name="Mario Luengo González" userId="8d50e8585d3f7066" providerId="LiveId" clId="{E69FE96C-C532-4CBE-955A-4A078C9A5FEE}" dt="2018-12-01T18:11:31.968" v="12" actId="26606"/>
-          <ac:cxnSpMkLst>
-            <pc:docMk/>
-            <pc:sldMk cId="1646171779" sldId="257"/>
-            <ac:cxnSpMk id="18" creationId="{9E8E38ED-369A-44C2-B635-0BED0E48A6E8}"/>
-          </ac:cxnSpMkLst>
-        </pc:cxnChg>
-        <pc:cxnChg chg="add del">
-          <ac:chgData name="Mario Luengo González" userId="8d50e8585d3f7066" providerId="LiveId" clId="{E69FE96C-C532-4CBE-955A-4A078C9A5FEE}" dt="2018-12-01T18:12:10.549" v="18"/>
-          <ac:cxnSpMkLst>
-            <pc:docMk/>
-            <pc:sldMk cId="1646171779" sldId="257"/>
-            <ac:cxnSpMk id="23" creationId="{D4C22394-EBC2-4FAF-A555-6C02D589EED7}"/>
-          </ac:cxnSpMkLst>
-        </pc:cxnChg>
-      </pc:sldChg>
       <pc:sldChg chg="addSp delSp modSp add mod setBg">
         <pc:chgData name="Mario Luengo González" userId="8d50e8585d3f7066" providerId="LiveId" clId="{E69FE96C-C532-4CBE-955A-4A078C9A5FEE}" dt="2018-12-01T19:31:29.366" v="907" actId="20577"/>
         <pc:sldMkLst>
@@ -705,7 +258,7 @@
         </pc:cxnChg>
       </pc:sldChg>
       <pc:sldChg chg="addSp modSp add mod setBg">
-        <pc:chgData name="Mario Luengo González" userId="8d50e8585d3f7066" providerId="LiveId" clId="{E69FE96C-C532-4CBE-955A-4A078C9A5FEE}" dt="2018-12-01T19:02:01.637" v="506" actId="20577"/>
+        <pc:chgData name="Mario Luengo González" userId="8d50e8585d3f7066" providerId="LiveId" clId="{E69FE96C-C532-4CBE-955A-4A078C9A5FEE}" dt="2018-12-09T19:46:32.785" v="1503" actId="1076"/>
         <pc:sldMkLst>
           <pc:docMk/>
           <pc:sldMk cId="1992924596" sldId="258"/>
@@ -719,7 +272,7 @@
           </ac:spMkLst>
         </pc:spChg>
         <pc:spChg chg="mod">
-          <ac:chgData name="Mario Luengo González" userId="8d50e8585d3f7066" providerId="LiveId" clId="{E69FE96C-C532-4CBE-955A-4A078C9A5FEE}" dt="2018-12-01T18:44:22.466" v="241" actId="26606"/>
+          <ac:chgData name="Mario Luengo González" userId="8d50e8585d3f7066" providerId="LiveId" clId="{E69FE96C-C532-4CBE-955A-4A078C9A5FEE}" dt="2018-12-09T19:46:11.302" v="1499" actId="14100"/>
           <ac:spMkLst>
             <pc:docMk/>
             <pc:sldMk cId="1992924596" sldId="258"/>
@@ -734,75 +287,20 @@
             <ac:spMk id="8" creationId="{8D70B121-56F4-4848-B38B-182089D909FA}"/>
           </ac:spMkLst>
         </pc:spChg>
+        <pc:picChg chg="add mod">
+          <ac:chgData name="Mario Luengo González" userId="8d50e8585d3f7066" providerId="LiveId" clId="{E69FE96C-C532-4CBE-955A-4A078C9A5FEE}" dt="2018-12-09T19:46:32.785" v="1503" actId="1076"/>
+          <ac:picMkLst>
+            <pc:docMk/>
+            <pc:sldMk cId="1992924596" sldId="258"/>
+            <ac:picMk id="4" creationId="{59BA164A-A720-4091-99E5-310D24B1FB44}"/>
+          </ac:picMkLst>
+        </pc:picChg>
         <pc:cxnChg chg="add">
           <ac:chgData name="Mario Luengo González" userId="8d50e8585d3f7066" providerId="LiveId" clId="{E69FE96C-C532-4CBE-955A-4A078C9A5FEE}" dt="2018-12-01T18:44:22.466" v="241" actId="26606"/>
           <ac:cxnSpMkLst>
             <pc:docMk/>
             <pc:sldMk cId="1992924596" sldId="258"/>
             <ac:cxnSpMk id="10" creationId="{2D72A2C9-F3CA-4216-8BAD-FA4C970C3C4E}"/>
-          </ac:cxnSpMkLst>
-        </pc:cxnChg>
-      </pc:sldChg>
-      <pc:sldChg chg="addSp delSp modSp add del mod setBg delDesignElem">
-        <pc:chgData name="Mario Luengo González" userId="8d50e8585d3f7066" providerId="LiveId" clId="{E69FE96C-C532-4CBE-955A-4A078C9A5FEE}" dt="2018-12-01T18:12:39.982" v="28" actId="2696"/>
-        <pc:sldMkLst>
-          <pc:docMk/>
-          <pc:sldMk cId="2985181132" sldId="258"/>
-        </pc:sldMkLst>
-        <pc:spChg chg="mod">
-          <ac:chgData name="Mario Luengo González" userId="8d50e8585d3f7066" providerId="LiveId" clId="{E69FE96C-C532-4CBE-955A-4A078C9A5FEE}" dt="2018-12-01T18:11:38.102" v="14" actId="26606"/>
-          <ac:spMkLst>
-            <pc:docMk/>
-            <pc:sldMk cId="2985181132" sldId="258"/>
-            <ac:spMk id="2" creationId="{65E1BF08-4459-49F7-AB70-6EA88077426B}"/>
-          </ac:spMkLst>
-        </pc:spChg>
-        <pc:spChg chg="mod">
-          <ac:chgData name="Mario Luengo González" userId="8d50e8585d3f7066" providerId="LiveId" clId="{E69FE96C-C532-4CBE-955A-4A078C9A5FEE}" dt="2018-12-01T18:11:38.102" v="14" actId="26606"/>
-          <ac:spMkLst>
-            <pc:docMk/>
-            <pc:sldMk cId="2985181132" sldId="258"/>
-            <ac:spMk id="3" creationId="{DC4E4D9B-B273-4BEE-90F2-562E3F7143BC}"/>
-          </ac:spMkLst>
-        </pc:spChg>
-        <pc:spChg chg="add del">
-          <ac:chgData name="Mario Luengo González" userId="8d50e8585d3f7066" providerId="LiveId" clId="{E69FE96C-C532-4CBE-955A-4A078C9A5FEE}" dt="2018-12-01T18:12:10.549" v="18"/>
-          <ac:spMkLst>
-            <pc:docMk/>
-            <pc:sldMk cId="2985181132" sldId="258"/>
-            <ac:spMk id="8" creationId="{E4F9F79B-A093-478E-96B5-EE02BC93A858}"/>
-          </ac:spMkLst>
-        </pc:spChg>
-        <pc:spChg chg="add del">
-          <ac:chgData name="Mario Luengo González" userId="8d50e8585d3f7066" providerId="LiveId" clId="{E69FE96C-C532-4CBE-955A-4A078C9A5FEE}" dt="2018-12-01T18:12:10.549" v="18"/>
-          <ac:spMkLst>
-            <pc:docMk/>
-            <pc:sldMk cId="2985181132" sldId="258"/>
-            <ac:spMk id="10" creationId="{11394CD8-BD30-4B74-86F4-51FDF3383419}"/>
-          </ac:spMkLst>
-        </pc:spChg>
-        <pc:spChg chg="add del">
-          <ac:chgData name="Mario Luengo González" userId="8d50e8585d3f7066" providerId="LiveId" clId="{E69FE96C-C532-4CBE-955A-4A078C9A5FEE}" dt="2018-12-01T18:12:10.549" v="18"/>
-          <ac:spMkLst>
-            <pc:docMk/>
-            <pc:sldMk cId="2985181132" sldId="258"/>
-            <ac:spMk id="14" creationId="{F7194F93-1F71-4A70-9DF1-28F183771111}"/>
-          </ac:spMkLst>
-        </pc:spChg>
-        <pc:spChg chg="add del">
-          <ac:chgData name="Mario Luengo González" userId="8d50e8585d3f7066" providerId="LiveId" clId="{E69FE96C-C532-4CBE-955A-4A078C9A5FEE}" dt="2018-12-01T18:12:10.549" v="18"/>
-          <ac:spMkLst>
-            <pc:docMk/>
-            <pc:sldMk cId="2985181132" sldId="258"/>
-            <ac:spMk id="16" creationId="{9BBC0C84-DC2A-43AE-9576-0A44295E8B9C}"/>
-          </ac:spMkLst>
-        </pc:spChg>
-        <pc:cxnChg chg="add del">
-          <ac:chgData name="Mario Luengo González" userId="8d50e8585d3f7066" providerId="LiveId" clId="{E69FE96C-C532-4CBE-955A-4A078C9A5FEE}" dt="2018-12-01T18:12:10.549" v="18"/>
-          <ac:cxnSpMkLst>
-            <pc:docMk/>
-            <pc:sldMk cId="2985181132" sldId="258"/>
-            <ac:cxnSpMk id="12" creationId="{D4C22394-EBC2-4FAF-A555-6C02D589EED7}"/>
           </ac:cxnSpMkLst>
         </pc:cxnChg>
       </pc:sldChg>
@@ -868,13 +366,6 @@
             <ac:cxnSpMk id="10" creationId="{2D72A2C9-F3CA-4216-8BAD-FA4C970C3C4E}"/>
           </ac:cxnSpMkLst>
         </pc:cxnChg>
-      </pc:sldChg>
-      <pc:sldChg chg="add del">
-        <pc:chgData name="Mario Luengo González" userId="8d50e8585d3f7066" providerId="LiveId" clId="{E69FE96C-C532-4CBE-955A-4A078C9A5FEE}" dt="2018-12-01T19:03:06.487" v="539" actId="2696"/>
-        <pc:sldMkLst>
-          <pc:docMk/>
-          <pc:sldMk cId="4082401879" sldId="260"/>
-        </pc:sldMkLst>
       </pc:sldChg>
       <pc:sldChg chg="addSp delSp modSp add mod setBg delDesignElem">
         <pc:chgData name="Mario Luengo González" userId="8d50e8585d3f7066" providerId="LiveId" clId="{E69FE96C-C532-4CBE-955A-4A078C9A5FEE}" dt="2018-12-01T19:49:49.850" v="1316" actId="20577"/>
@@ -1144,8 +635,8 @@
           </ac:cxnSpMkLst>
         </pc:cxnChg>
       </pc:sldChg>
-      <pc:sldChg chg="addSp modSp add mod setBg">
-        <pc:chgData name="Mario Luengo González" userId="8d50e8585d3f7066" providerId="LiveId" clId="{E69FE96C-C532-4CBE-955A-4A078C9A5FEE}" dt="2018-12-01T19:04:31.418" v="625" actId="26606"/>
+      <pc:sldChg chg="addSp delSp modSp add mod setBg">
+        <pc:chgData name="Mario Luengo González" userId="8d50e8585d3f7066" providerId="LiveId" clId="{E69FE96C-C532-4CBE-955A-4A078C9A5FEE}" dt="2018-12-09T19:37:29.914" v="1491" actId="14100"/>
         <pc:sldMkLst>
           <pc:docMk/>
           <pc:sldMk cId="1741258509" sldId="265"/>
@@ -1159,7 +650,7 @@
           </ac:spMkLst>
         </pc:spChg>
         <pc:spChg chg="mod">
-          <ac:chgData name="Mario Luengo González" userId="8d50e8585d3f7066" providerId="LiveId" clId="{E69FE96C-C532-4CBE-955A-4A078C9A5FEE}" dt="2018-12-01T19:04:31.418" v="625" actId="26606"/>
+          <ac:chgData name="Mario Luengo González" userId="8d50e8585d3f7066" providerId="LiveId" clId="{E69FE96C-C532-4CBE-955A-4A078C9A5FEE}" dt="2018-12-09T19:37:08.566" v="1489" actId="1035"/>
           <ac:spMkLst>
             <pc:docMk/>
             <pc:sldMk cId="1741258509" sldId="265"/>
@@ -1174,6 +665,30 @@
             <ac:spMk id="8" creationId="{8D70B121-56F4-4848-B38B-182089D909FA}"/>
           </ac:spMkLst>
         </pc:spChg>
+        <pc:picChg chg="add del mod">
+          <ac:chgData name="Mario Luengo González" userId="8d50e8585d3f7066" providerId="LiveId" clId="{E69FE96C-C532-4CBE-955A-4A078C9A5FEE}" dt="2018-12-09T19:35:43.146" v="1464" actId="478"/>
+          <ac:picMkLst>
+            <pc:docMk/>
+            <pc:sldMk cId="1741258509" sldId="265"/>
+            <ac:picMk id="4" creationId="{240AFD85-F5B3-49E0-81B5-2E5EEB6D962B}"/>
+          </ac:picMkLst>
+        </pc:picChg>
+        <pc:picChg chg="add mod">
+          <ac:chgData name="Mario Luengo González" userId="8d50e8585d3f7066" providerId="LiveId" clId="{E69FE96C-C532-4CBE-955A-4A078C9A5FEE}" dt="2018-12-09T19:37:29.914" v="1491" actId="14100"/>
+          <ac:picMkLst>
+            <pc:docMk/>
+            <pc:sldMk cId="1741258509" sldId="265"/>
+            <ac:picMk id="5" creationId="{AB28EA91-7F0E-410D-8E42-D1C1D13DFB92}"/>
+          </ac:picMkLst>
+        </pc:picChg>
+        <pc:picChg chg="add mod">
+          <ac:chgData name="Mario Luengo González" userId="8d50e8585d3f7066" providerId="LiveId" clId="{E69FE96C-C532-4CBE-955A-4A078C9A5FEE}" dt="2018-12-09T19:37:23.051" v="1490" actId="14100"/>
+          <ac:picMkLst>
+            <pc:docMk/>
+            <pc:sldMk cId="1741258509" sldId="265"/>
+            <ac:picMk id="6" creationId="{124B75BE-2C8C-40B9-A67D-9AFFC195CC52}"/>
+          </ac:picMkLst>
+        </pc:picChg>
         <pc:cxnChg chg="add">
           <ac:chgData name="Mario Luengo González" userId="8d50e8585d3f7066" providerId="LiveId" clId="{E69FE96C-C532-4CBE-955A-4A078C9A5FEE}" dt="2018-12-01T19:04:31.418" v="625" actId="26606"/>
           <ac:cxnSpMkLst>
@@ -1230,8 +745,8 @@
           </ac:picMkLst>
         </pc:picChg>
       </pc:sldChg>
-      <pc:sldChg chg="addSp delSp modSp add">
-        <pc:chgData name="Mario Luengo González" userId="8d50e8585d3f7066" providerId="LiveId" clId="{E69FE96C-C532-4CBE-955A-4A078C9A5FEE}" dt="2018-12-01T19:45:22.373" v="1140" actId="1076"/>
+      <pc:sldChg chg="addSp delSp modSp add ord">
+        <pc:chgData name="Mario Luengo González" userId="8d50e8585d3f7066" providerId="LiveId" clId="{E69FE96C-C532-4CBE-955A-4A078C9A5FEE}" dt="2018-12-09T18:53:06.241" v="1386"/>
         <pc:sldMkLst>
           <pc:docMk/>
           <pc:sldMk cId="4177468819" sldId="267"/>
@@ -1484,7 +999,7 @@
           <a:p>
             <a:fld id="{344A9F18-9937-4E3F-B1F1-91D020C19F4A}" type="datetimeFigureOut">
               <a:rPr lang="es-ES" smtClean="0"/>
-              <a:t>01/12/2018</a:t>
+              <a:t>09/12/2018</a:t>
             </a:fld>
             <a:endParaRPr lang="es-ES"/>
           </a:p>
@@ -1682,7 +1197,7 @@
           <a:p>
             <a:fld id="{344A9F18-9937-4E3F-B1F1-91D020C19F4A}" type="datetimeFigureOut">
               <a:rPr lang="es-ES" smtClean="0"/>
-              <a:t>01/12/2018</a:t>
+              <a:t>09/12/2018</a:t>
             </a:fld>
             <a:endParaRPr lang="es-ES"/>
           </a:p>
@@ -1890,7 +1405,7 @@
           <a:p>
             <a:fld id="{344A9F18-9937-4E3F-B1F1-91D020C19F4A}" type="datetimeFigureOut">
               <a:rPr lang="es-ES" smtClean="0"/>
-              <a:t>01/12/2018</a:t>
+              <a:t>09/12/2018</a:t>
             </a:fld>
             <a:endParaRPr lang="es-ES"/>
           </a:p>
@@ -2088,7 +1603,7 @@
           <a:p>
             <a:fld id="{344A9F18-9937-4E3F-B1F1-91D020C19F4A}" type="datetimeFigureOut">
               <a:rPr lang="es-ES" smtClean="0"/>
-              <a:t>01/12/2018</a:t>
+              <a:t>09/12/2018</a:t>
             </a:fld>
             <a:endParaRPr lang="es-ES"/>
           </a:p>
@@ -2363,7 +1878,7 @@
           <a:p>
             <a:fld id="{344A9F18-9937-4E3F-B1F1-91D020C19F4A}" type="datetimeFigureOut">
               <a:rPr lang="es-ES" smtClean="0"/>
-              <a:t>01/12/2018</a:t>
+              <a:t>09/12/2018</a:t>
             </a:fld>
             <a:endParaRPr lang="es-ES"/>
           </a:p>
@@ -2628,7 +2143,7 @@
           <a:p>
             <a:fld id="{344A9F18-9937-4E3F-B1F1-91D020C19F4A}" type="datetimeFigureOut">
               <a:rPr lang="es-ES" smtClean="0"/>
-              <a:t>01/12/2018</a:t>
+              <a:t>09/12/2018</a:t>
             </a:fld>
             <a:endParaRPr lang="es-ES"/>
           </a:p>
@@ -3040,7 +2555,7 @@
           <a:p>
             <a:fld id="{344A9F18-9937-4E3F-B1F1-91D020C19F4A}" type="datetimeFigureOut">
               <a:rPr lang="es-ES" smtClean="0"/>
-              <a:t>01/12/2018</a:t>
+              <a:t>09/12/2018</a:t>
             </a:fld>
             <a:endParaRPr lang="es-ES"/>
           </a:p>
@@ -3181,7 +2696,7 @@
           <a:p>
             <a:fld id="{344A9F18-9937-4E3F-B1F1-91D020C19F4A}" type="datetimeFigureOut">
               <a:rPr lang="es-ES" smtClean="0"/>
-              <a:t>01/12/2018</a:t>
+              <a:t>09/12/2018</a:t>
             </a:fld>
             <a:endParaRPr lang="es-ES"/>
           </a:p>
@@ -3294,7 +2809,7 @@
           <a:p>
             <a:fld id="{344A9F18-9937-4E3F-B1F1-91D020C19F4A}" type="datetimeFigureOut">
               <a:rPr lang="es-ES" smtClean="0"/>
-              <a:t>01/12/2018</a:t>
+              <a:t>09/12/2018</a:t>
             </a:fld>
             <a:endParaRPr lang="es-ES"/>
           </a:p>
@@ -3605,7 +3120,7 @@
           <a:p>
             <a:fld id="{344A9F18-9937-4E3F-B1F1-91D020C19F4A}" type="datetimeFigureOut">
               <a:rPr lang="es-ES" smtClean="0"/>
-              <a:t>01/12/2018</a:t>
+              <a:t>09/12/2018</a:t>
             </a:fld>
             <a:endParaRPr lang="es-ES"/>
           </a:p>
@@ -3893,7 +3408,7 @@
           <a:p>
             <a:fld id="{344A9F18-9937-4E3F-B1F1-91D020C19F4A}" type="datetimeFigureOut">
               <a:rPr lang="es-ES" smtClean="0"/>
-              <a:t>01/12/2018</a:t>
+              <a:t>09/12/2018</a:t>
             </a:fld>
             <a:endParaRPr lang="es-ES"/>
           </a:p>
@@ -4134,7 +3649,7 @@
           <a:p>
             <a:fld id="{344A9F18-9937-4E3F-B1F1-91D020C19F4A}" type="datetimeFigureOut">
               <a:rPr lang="es-ES" smtClean="0"/>
-              <a:t>01/12/2018</a:t>
+              <a:t>09/12/2018</a:t>
             </a:fld>
             <a:endParaRPr lang="es-ES"/>
           </a:p>
@@ -5467,8 +4982,8 @@
         </p:nvSpPr>
         <p:spPr>
           <a:xfrm>
-            <a:off x="4976031" y="963877"/>
-            <a:ext cx="6377769" cy="4930246"/>
+            <a:off x="4976031" y="2537922"/>
+            <a:ext cx="6377769" cy="1595535"/>
           </a:xfrm>
         </p:spPr>
         <p:txBody>
@@ -5477,10 +4992,101 @@
           </a:bodyPr>
           <a:lstStyle/>
           <a:p>
-            <a:endParaRPr lang="es-ES" sz="2400"/>
-          </a:p>
-        </p:txBody>
-      </p:sp>
+            <a:r>
+              <a:rPr lang="es-ES" sz="2400" dirty="0"/>
+              <a:t>Data </a:t>
+            </a:r>
+            <a:r>
+              <a:rPr lang="es-ES" sz="2400" dirty="0" err="1"/>
+              <a:t>linking</a:t>
+            </a:r>
+            <a:r>
+              <a:rPr lang="es-ES" sz="2400" dirty="0"/>
+              <a:t> con otros </a:t>
+            </a:r>
+            <a:r>
+              <a:rPr lang="es-ES" sz="2400" dirty="0" err="1"/>
+              <a:t>datasets</a:t>
+            </a:r>
+            <a:endParaRPr lang="es-ES" sz="2400" dirty="0"/>
+          </a:p>
+          <a:p>
+            <a:r>
+              <a:rPr lang="es-ES" sz="2400" dirty="0" err="1"/>
+              <a:t>Properties</a:t>
+            </a:r>
+            <a:r>
+              <a:rPr lang="es-ES" sz="2400" dirty="0"/>
+              <a:t> de otras </a:t>
+            </a:r>
+            <a:r>
+              <a:rPr lang="es-ES" sz="2400" dirty="0" err="1"/>
+              <a:t>ontologies</a:t>
+            </a:r>
+            <a:endParaRPr lang="es-ES" sz="2400" dirty="0"/>
+          </a:p>
+        </p:txBody>
+      </p:sp>
+      <p:pic>
+        <p:nvPicPr>
+          <p:cNvPr id="5" name="Imagen 4">
+            <a:extLst>
+              <a:ext uri="{FF2B5EF4-FFF2-40B4-BE49-F238E27FC236}">
+                <a16:creationId xmlns:a16="http://schemas.microsoft.com/office/drawing/2014/main" id="{AB28EA91-7F0E-410D-8E42-D1C1D13DFB92}"/>
+              </a:ext>
+            </a:extLst>
+          </p:cNvPr>
+          <p:cNvPicPr>
+            <a:picLocks noChangeAspect="1"/>
+          </p:cNvPicPr>
+          <p:nvPr/>
+        </p:nvPicPr>
+        <p:blipFill>
+          <a:blip r:embed="rId2"/>
+          <a:stretch>
+            <a:fillRect/>
+          </a:stretch>
+        </p:blipFill>
+        <p:spPr>
+          <a:xfrm>
+            <a:off x="4976031" y="3946850"/>
+            <a:ext cx="4150189" cy="2426408"/>
+          </a:xfrm>
+          <a:prstGeom prst="rect">
+            <a:avLst/>
+          </a:prstGeom>
+        </p:spPr>
+      </p:pic>
+      <p:pic>
+        <p:nvPicPr>
+          <p:cNvPr id="6" name="Imagen 5">
+            <a:extLst>
+              <a:ext uri="{FF2B5EF4-FFF2-40B4-BE49-F238E27FC236}">
+                <a16:creationId xmlns:a16="http://schemas.microsoft.com/office/drawing/2014/main" id="{124B75BE-2C8C-40B9-A67D-9AFFC195CC52}"/>
+              </a:ext>
+            </a:extLst>
+          </p:cNvPr>
+          <p:cNvPicPr>
+            <a:picLocks noChangeAspect="1"/>
+          </p:cNvPicPr>
+          <p:nvPr/>
+        </p:nvPicPr>
+        <p:blipFill>
+          <a:blip r:embed="rId3"/>
+          <a:stretch>
+            <a:fillRect/>
+          </a:stretch>
+        </p:blipFill>
+        <p:spPr>
+          <a:xfrm>
+            <a:off x="4976031" y="484743"/>
+            <a:ext cx="4391902" cy="2169994"/>
+          </a:xfrm>
+          <a:prstGeom prst="rect">
+            <a:avLst/>
+          </a:prstGeom>
+        </p:spPr>
+      </p:pic>
     </p:spTree>
     <p:extLst>
       <p:ext uri="{BB962C8B-B14F-4D97-AF65-F5344CB8AC3E}">
@@ -6015,7 +5621,7 @@
         <p:spPr>
           <a:xfrm>
             <a:off x="4976031" y="963877"/>
-            <a:ext cx="6377769" cy="4930246"/>
+            <a:ext cx="6659239" cy="3150923"/>
           </a:xfrm>
         </p:spPr>
         <p:txBody>
@@ -6024,10 +5630,50 @@
           </a:bodyPr>
           <a:lstStyle/>
           <a:p>
-            <a:endParaRPr lang="es-ES" sz="2400" dirty="0"/>
-          </a:p>
-        </p:txBody>
-      </p:sp>
+            <a:r>
+              <a:rPr lang="es-ES" sz="2400" dirty="0"/>
+              <a:t>Instalaciones municipales con zonas wifi gratuitas</a:t>
+            </a:r>
+            <a:endParaRPr lang="es-ES" sz="2000" dirty="0"/>
+          </a:p>
+          <a:p>
+            <a:r>
+              <a:rPr lang="es-ES" sz="2000" dirty="0"/>
+              <a:t>http://datos.gob.es/es/catalogo/l01280796-instalaciones-municipales-con-zonas-wifi-gratuitas1</a:t>
+            </a:r>
+          </a:p>
+        </p:txBody>
+      </p:sp>
+      <p:pic>
+        <p:nvPicPr>
+          <p:cNvPr id="4" name="Imagen 3">
+            <a:extLst>
+              <a:ext uri="{FF2B5EF4-FFF2-40B4-BE49-F238E27FC236}">
+                <a16:creationId xmlns:a16="http://schemas.microsoft.com/office/drawing/2014/main" id="{59BA164A-A720-4091-99E5-310D24B1FB44}"/>
+              </a:ext>
+            </a:extLst>
+          </p:cNvPr>
+          <p:cNvPicPr>
+            <a:picLocks noChangeAspect="1"/>
+          </p:cNvPicPr>
+          <p:nvPr/>
+        </p:nvPicPr>
+        <p:blipFill>
+          <a:blip r:embed="rId2"/>
+          <a:stretch>
+            <a:fillRect/>
+          </a:stretch>
+        </p:blipFill>
+        <p:spPr>
+          <a:xfrm>
+            <a:off x="4976031" y="3234614"/>
+            <a:ext cx="6239069" cy="3048045"/>
+          </a:xfrm>
+          <a:prstGeom prst="rect">
+            <a:avLst/>
+          </a:prstGeom>
+        </p:spPr>
+      </p:pic>
     </p:spTree>
     <p:extLst>
       <p:ext uri="{BB962C8B-B14F-4D97-AF65-F5344CB8AC3E}">
